--- a/IFJ15_PREZENTACE.pptx
+++ b/IFJ15_PREZENTACE.pptx
@@ -6693,42 +6693,75 @@
           <a:bodyPr/>
           <a:lstStyle/>
           <a:p>
+            <a:pPr>
+              <a:spcAft>
+                <a:spcPts val="1200"/>
+              </a:spcAft>
+            </a:pPr>
             <a:r>
               <a:rPr lang="cs-CZ" dirty="0" smtClean="0"/>
               <a:t>Žádá si o tokeny </a:t>
             </a:r>
           </a:p>
           <a:p>
+            <a:pPr>
+              <a:spcAft>
+                <a:spcPts val="1200"/>
+              </a:spcAft>
+            </a:pPr>
             <a:r>
               <a:rPr lang="cs-CZ" dirty="0" smtClean="0"/>
               <a:t>Rekurzivní sestup</a:t>
             </a:r>
           </a:p>
           <a:p>
+            <a:pPr>
+              <a:spcAft>
+                <a:spcPts val="1200"/>
+              </a:spcAft>
+            </a:pPr>
             <a:r>
               <a:rPr lang="cs-CZ" dirty="0" smtClean="0"/>
               <a:t>Precedenční syntaktická analýza (výrazy)</a:t>
             </a:r>
           </a:p>
           <a:p>
+            <a:pPr>
+              <a:spcAft>
+                <a:spcPts val="1200"/>
+              </a:spcAft>
+            </a:pPr>
             <a:r>
               <a:rPr lang="cs-CZ" dirty="0" smtClean="0"/>
               <a:t>Vkládání do tabulky symbolů</a:t>
             </a:r>
           </a:p>
           <a:p>
+            <a:pPr>
+              <a:spcAft>
+                <a:spcPts val="1200"/>
+              </a:spcAft>
+            </a:pPr>
             <a:r>
               <a:rPr lang="cs-CZ" dirty="0" smtClean="0"/>
               <a:t>Kontrola sémantiky</a:t>
             </a:r>
           </a:p>
           <a:p>
+            <a:pPr>
+              <a:spcAft>
+                <a:spcPts val="1200"/>
+              </a:spcAft>
+            </a:pPr>
             <a:r>
               <a:rPr lang="cs-CZ" dirty="0" smtClean="0"/>
               <a:t>Generování 3AC</a:t>
             </a:r>
           </a:p>
           <a:p>
+            <a:pPr marL="0" indent="0">
+              <a:buNone/>
+            </a:pPr>
             <a:endParaRPr lang="cs-CZ" dirty="0"/>
           </a:p>
         </p:txBody>
@@ -6780,6 +6813,651 @@
               <a:t>4</a:t>
             </a:fld>
             <a:endParaRPr lang="en-US" altLang="cs-CZ"/>
+          </a:p>
+        </p:txBody>
+      </p:sp>
+      <p:sp>
+        <p:nvSpPr>
+          <p:cNvPr id="6" name="Obdélník 5"/>
+          <p:cNvSpPr/>
+          <p:nvPr/>
+        </p:nvSpPr>
+        <p:spPr bwMode="auto">
+          <a:xfrm>
+            <a:off x="7684825" y="3176972"/>
+            <a:ext cx="2880320" cy="1296144"/>
+          </a:xfrm>
+          <a:prstGeom prst="rect">
+            <a:avLst/>
+          </a:prstGeom>
+          <a:noFill/>
+          <a:ln w="9525" cap="flat" cmpd="sng" algn="ctr">
+            <a:noFill/>
+            <a:prstDash val="solid"/>
+            <a:round/>
+            <a:headEnd type="none" w="med" len="med"/>
+            <a:tailEnd type="none" w="med" len="med"/>
+          </a:ln>
+          <a:effectLst/>
+        </p:spPr>
+        <p:txBody>
+          <a:bodyPr vert="horz" wrap="square" lIns="91440" tIns="45720" rIns="91440" bIns="45720" numCol="1" rtlCol="0" anchor="t" anchorCtr="0" compatLnSpc="1">
+            <a:prstTxWarp prst="textNoShape">
+              <a:avLst/>
+            </a:prstTxWarp>
+          </a:bodyPr>
+          <a:lstStyle/>
+          <a:p>
+            <a:pPr marL="342900" marR="0" indent="-342900" algn="l" defTabSz="914400" rtl="0" eaLnBrk="1" fontAlgn="base" latinLnBrk="0" hangingPunct="1">
+              <a:lnSpc>
+                <a:spcPct val="100000"/>
+              </a:lnSpc>
+              <a:spcBef>
+                <a:spcPct val="20000"/>
+              </a:spcBef>
+              <a:spcAft>
+                <a:spcPct val="0"/>
+              </a:spcAft>
+              <a:buClrTx/>
+              <a:buSzTx/>
+              <a:buFontTx/>
+              <a:buChar char="•"/>
+              <a:tabLst/>
+            </a:pPr>
+            <a:endParaRPr kumimoji="0" lang="cs-CZ" sz="2400" b="1" i="0" u="none" strike="noStrike" cap="none" normalizeH="0" baseline="0" smtClean="0">
+              <a:ln>
+                <a:noFill/>
+              </a:ln>
+              <a:solidFill>
+                <a:srgbClr val="B9000C"/>
+              </a:solidFill>
+              <a:effectLst/>
+              <a:latin typeface="Tahoma" pitchFamily="34" charset="0"/>
+            </a:endParaRPr>
+          </a:p>
+        </p:txBody>
+      </p:sp>
+      <p:sp>
+        <p:nvSpPr>
+          <p:cNvPr id="7" name="Obdélník 6"/>
+          <p:cNvSpPr/>
+          <p:nvPr/>
+        </p:nvSpPr>
+        <p:spPr bwMode="auto">
+          <a:xfrm>
+            <a:off x="7896200" y="3429000"/>
+            <a:ext cx="2088232" cy="936104"/>
+          </a:xfrm>
+          <a:prstGeom prst="rect">
+            <a:avLst/>
+          </a:prstGeom>
+          <a:noFill/>
+          <a:ln w="9525" cap="flat" cmpd="sng" algn="ctr">
+            <a:noFill/>
+            <a:prstDash val="solid"/>
+            <a:round/>
+            <a:headEnd type="none" w="med" len="med"/>
+            <a:tailEnd type="none" w="med" len="med"/>
+          </a:ln>
+          <a:effectLst/>
+        </p:spPr>
+        <p:txBody>
+          <a:bodyPr vert="horz" wrap="square" lIns="91440" tIns="45720" rIns="91440" bIns="45720" numCol="1" rtlCol="0" anchor="t" anchorCtr="0" compatLnSpc="1">
+            <a:prstTxWarp prst="textNoShape">
+              <a:avLst/>
+            </a:prstTxWarp>
+          </a:bodyPr>
+          <a:lstStyle/>
+          <a:p>
+            <a:pPr marL="342900" marR="0" indent="-342900" algn="l" defTabSz="914400" rtl="0" eaLnBrk="1" fontAlgn="base" latinLnBrk="0" hangingPunct="1">
+              <a:lnSpc>
+                <a:spcPct val="100000"/>
+              </a:lnSpc>
+              <a:spcBef>
+                <a:spcPct val="20000"/>
+              </a:spcBef>
+              <a:spcAft>
+                <a:spcPct val="0"/>
+              </a:spcAft>
+              <a:buClrTx/>
+              <a:buSzTx/>
+              <a:buFontTx/>
+              <a:buChar char="•"/>
+              <a:tabLst/>
+            </a:pPr>
+            <a:endParaRPr kumimoji="0" lang="cs-CZ" sz="2400" b="1" i="0" u="none" strike="noStrike" cap="none" normalizeH="0" baseline="0" smtClean="0">
+              <a:ln>
+                <a:noFill/>
+              </a:ln>
+              <a:solidFill>
+                <a:srgbClr val="B9000C"/>
+              </a:solidFill>
+              <a:effectLst/>
+              <a:latin typeface="Tahoma" pitchFamily="34" charset="0"/>
+            </a:endParaRPr>
+          </a:p>
+        </p:txBody>
+      </p:sp>
+      <p:sp>
+        <p:nvSpPr>
+          <p:cNvPr id="8" name="Obdélník 7"/>
+          <p:cNvSpPr/>
+          <p:nvPr/>
+        </p:nvSpPr>
+        <p:spPr bwMode="auto">
+          <a:xfrm>
+            <a:off x="8639139" y="3659905"/>
+            <a:ext cx="1296144" cy="360040"/>
+          </a:xfrm>
+          <a:prstGeom prst="rect">
+            <a:avLst/>
+          </a:prstGeom>
+          <a:noFill/>
+          <a:ln w="9525" cap="flat" cmpd="sng" algn="ctr">
+            <a:noFill/>
+            <a:prstDash val="solid"/>
+            <a:round/>
+            <a:headEnd type="none" w="med" len="med"/>
+            <a:tailEnd type="none" w="med" len="med"/>
+          </a:ln>
+          <a:effectLst/>
+        </p:spPr>
+        <p:txBody>
+          <a:bodyPr vert="horz" wrap="square" lIns="91440" tIns="45720" rIns="91440" bIns="45720" numCol="1" rtlCol="0" anchor="t" anchorCtr="0" compatLnSpc="1">
+            <a:prstTxWarp prst="textNoShape">
+              <a:avLst/>
+            </a:prstTxWarp>
+          </a:bodyPr>
+          <a:lstStyle/>
+          <a:p>
+            <a:pPr marL="342900" marR="0" indent="-342900" algn="l" defTabSz="914400" rtl="0" eaLnBrk="1" fontAlgn="base" latinLnBrk="0" hangingPunct="1">
+              <a:lnSpc>
+                <a:spcPct val="100000"/>
+              </a:lnSpc>
+              <a:spcBef>
+                <a:spcPct val="20000"/>
+              </a:spcBef>
+              <a:spcAft>
+                <a:spcPct val="0"/>
+              </a:spcAft>
+              <a:buClrTx/>
+              <a:buSzTx/>
+              <a:buFontTx/>
+              <a:buChar char="•"/>
+              <a:tabLst/>
+            </a:pPr>
+            <a:endParaRPr kumimoji="0" lang="cs-CZ" sz="2400" b="1" i="0" u="none" strike="noStrike" cap="none" normalizeH="0" baseline="0" smtClean="0">
+              <a:ln>
+                <a:noFill/>
+              </a:ln>
+              <a:solidFill>
+                <a:srgbClr val="B9000C"/>
+              </a:solidFill>
+              <a:effectLst/>
+              <a:latin typeface="Tahoma" pitchFamily="34" charset="0"/>
+            </a:endParaRPr>
+          </a:p>
+        </p:txBody>
+      </p:sp>
+      <p:sp>
+        <p:nvSpPr>
+          <p:cNvPr id="10" name="Levá složená závorka 9"/>
+          <p:cNvSpPr/>
+          <p:nvPr/>
+        </p:nvSpPr>
+        <p:spPr bwMode="auto">
+          <a:xfrm>
+            <a:off x="9264352" y="3717032"/>
+            <a:ext cx="45719" cy="216024"/>
+          </a:xfrm>
+          <a:prstGeom prst="leftBrace">
+            <a:avLst/>
+          </a:prstGeom>
+          <a:noFill/>
+          <a:ln w="9525" cap="flat" cmpd="sng" algn="ctr">
+            <a:noFill/>
+            <a:prstDash val="solid"/>
+            <a:round/>
+            <a:headEnd type="none" w="med" len="med"/>
+            <a:tailEnd type="none" w="med" len="med"/>
+          </a:ln>
+          <a:effectLst/>
+        </p:spPr>
+        <p:txBody>
+          <a:bodyPr vert="horz" wrap="square" lIns="91440" tIns="45720" rIns="91440" bIns="45720" numCol="1" rtlCol="0" anchor="t" anchorCtr="0" compatLnSpc="1">
+            <a:prstTxWarp prst="textNoShape">
+              <a:avLst/>
+            </a:prstTxWarp>
+          </a:bodyPr>
+          <a:lstStyle/>
+          <a:p>
+            <a:pPr marL="342900" marR="0" indent="-342900" algn="l" defTabSz="914400" rtl="0" eaLnBrk="1" fontAlgn="base" latinLnBrk="0" hangingPunct="1">
+              <a:lnSpc>
+                <a:spcPct val="100000"/>
+              </a:lnSpc>
+              <a:spcBef>
+                <a:spcPct val="20000"/>
+              </a:spcBef>
+              <a:spcAft>
+                <a:spcPct val="0"/>
+              </a:spcAft>
+              <a:buClrTx/>
+              <a:buSzTx/>
+              <a:buFontTx/>
+              <a:buChar char="•"/>
+              <a:tabLst/>
+            </a:pPr>
+            <a:endParaRPr kumimoji="0" lang="cs-CZ" sz="2400" b="1" i="0" u="none" strike="noStrike" cap="none" normalizeH="0" baseline="0" smtClean="0">
+              <a:ln>
+                <a:noFill/>
+              </a:ln>
+              <a:solidFill>
+                <a:srgbClr val="B9000C"/>
+              </a:solidFill>
+              <a:effectLst/>
+              <a:latin typeface="Tahoma" pitchFamily="34" charset="0"/>
+            </a:endParaRPr>
+          </a:p>
+        </p:txBody>
+      </p:sp>
+      <p:sp>
+        <p:nvSpPr>
+          <p:cNvPr id="11" name="Obdélník 10"/>
+          <p:cNvSpPr/>
+          <p:nvPr/>
+        </p:nvSpPr>
+        <p:spPr bwMode="auto">
+          <a:xfrm>
+            <a:off x="8148228" y="3537012"/>
+            <a:ext cx="2232248" cy="720080"/>
+          </a:xfrm>
+          <a:prstGeom prst="rect">
+            <a:avLst/>
+          </a:prstGeom>
+          <a:solidFill>
+            <a:srgbClr val="00A9E0"/>
+          </a:solidFill>
+          <a:ln>
+            <a:solidFill>
+              <a:schemeClr val="bg2">
+                <a:lumMod val="75000"/>
+              </a:schemeClr>
+            </a:solidFill>
+            <a:headEnd type="none" w="med" len="med"/>
+            <a:tailEnd type="none" w="med" len="med"/>
+          </a:ln>
+        </p:spPr>
+        <p:style>
+          <a:lnRef idx="2">
+            <a:schemeClr val="dk1"/>
+          </a:lnRef>
+          <a:fillRef idx="1">
+            <a:schemeClr val="lt1"/>
+          </a:fillRef>
+          <a:effectRef idx="0">
+            <a:schemeClr val="dk1"/>
+          </a:effectRef>
+          <a:fontRef idx="minor">
+            <a:schemeClr val="dk1"/>
+          </a:fontRef>
+        </p:style>
+        <p:txBody>
+          <a:bodyPr vert="horz" wrap="square" lIns="91440" tIns="45720" rIns="91440" bIns="45720" numCol="1" rtlCol="0" anchor="t" anchorCtr="0" compatLnSpc="1">
+            <a:prstTxWarp prst="textNoShape">
+              <a:avLst/>
+            </a:prstTxWarp>
+          </a:bodyPr>
+          <a:lstStyle/>
+          <a:p>
+            <a:pPr marR="0" algn="l" defTabSz="914400" rtl="0" eaLnBrk="1" fontAlgn="base" latinLnBrk="0" hangingPunct="1">
+              <a:lnSpc>
+                <a:spcPct val="100000"/>
+              </a:lnSpc>
+              <a:spcBef>
+                <a:spcPct val="20000"/>
+              </a:spcBef>
+              <a:spcAft>
+                <a:spcPct val="0"/>
+              </a:spcAft>
+              <a:buClrTx/>
+              <a:buSzTx/>
+              <a:buNone/>
+              <a:tabLst/>
+            </a:pPr>
+            <a:endParaRPr lang="cs-CZ" dirty="0">
+              <a:solidFill>
+                <a:srgbClr val="B9000C"/>
+              </a:solidFill>
+              <a:latin typeface="Tahoma" pitchFamily="34" charset="0"/>
+            </a:endParaRPr>
+          </a:p>
+          <a:p>
+            <a:pPr marR="0" algn="l" defTabSz="914400" rtl="0" eaLnBrk="1" fontAlgn="base" latinLnBrk="0" hangingPunct="1">
+              <a:lnSpc>
+                <a:spcPct val="100000"/>
+              </a:lnSpc>
+              <a:spcBef>
+                <a:spcPct val="20000"/>
+              </a:spcBef>
+              <a:spcAft>
+                <a:spcPct val="0"/>
+              </a:spcAft>
+              <a:buClrTx/>
+              <a:buSzTx/>
+              <a:buNone/>
+              <a:tabLst/>
+            </a:pPr>
+            <a:endParaRPr kumimoji="0" lang="cs-CZ" sz="2400" b="1" i="0" u="none" strike="noStrike" cap="none" normalizeH="0" baseline="0" dirty="0" smtClean="0">
+              <a:ln>
+                <a:noFill/>
+              </a:ln>
+              <a:solidFill>
+                <a:srgbClr val="B9000C"/>
+              </a:solidFill>
+              <a:effectLst/>
+              <a:latin typeface="Tahoma" pitchFamily="34" charset="0"/>
+            </a:endParaRPr>
+          </a:p>
+          <a:p>
+            <a:pPr marR="0" algn="l" defTabSz="914400" rtl="0" eaLnBrk="1" fontAlgn="base" latinLnBrk="0" hangingPunct="1">
+              <a:lnSpc>
+                <a:spcPct val="100000"/>
+              </a:lnSpc>
+              <a:spcBef>
+                <a:spcPct val="20000"/>
+              </a:spcBef>
+              <a:spcAft>
+                <a:spcPct val="0"/>
+              </a:spcAft>
+              <a:buClrTx/>
+              <a:buSzTx/>
+              <a:buNone/>
+              <a:tabLst/>
+            </a:pPr>
+            <a:r>
+              <a:rPr kumimoji="0" lang="cs-CZ" sz="2400" b="1" i="0" u="none" strike="noStrike" cap="none" normalizeH="0" baseline="0" dirty="0" smtClean="0">
+                <a:ln>
+                  <a:noFill/>
+                </a:ln>
+                <a:solidFill>
+                  <a:srgbClr val="B9000C"/>
+                </a:solidFill>
+                <a:effectLst/>
+                <a:latin typeface="Tahoma" pitchFamily="34" charset="0"/>
+              </a:rPr>
+              <a:t> </a:t>
+            </a:r>
+            <a:endParaRPr kumimoji="0" lang="cs-CZ" sz="2400" b="1" i="0" u="none" strike="noStrike" cap="none" normalizeH="0" baseline="0" dirty="0" smtClean="0">
+              <a:ln>
+                <a:noFill/>
+              </a:ln>
+              <a:solidFill>
+                <a:srgbClr val="B9000C"/>
+              </a:solidFill>
+              <a:effectLst/>
+              <a:latin typeface="Tahoma" pitchFamily="34" charset="0"/>
+            </a:endParaRPr>
+          </a:p>
+        </p:txBody>
+      </p:sp>
+      <p:sp>
+        <p:nvSpPr>
+          <p:cNvPr id="12" name="Obdélník 11"/>
+          <p:cNvSpPr/>
+          <p:nvPr/>
+        </p:nvSpPr>
+        <p:spPr bwMode="auto">
+          <a:xfrm>
+            <a:off x="8472264" y="3623320"/>
+            <a:ext cx="1512168" cy="1116124"/>
+          </a:xfrm>
+          <a:prstGeom prst="rect">
+            <a:avLst/>
+          </a:prstGeom>
+          <a:noFill/>
+          <a:ln w="9525" cap="flat" cmpd="sng" algn="ctr">
+            <a:noFill/>
+            <a:prstDash val="solid"/>
+            <a:round/>
+            <a:headEnd type="none" w="med" len="med"/>
+            <a:tailEnd type="none" w="med" len="med"/>
+          </a:ln>
+          <a:effectLst/>
+        </p:spPr>
+        <p:txBody>
+          <a:bodyPr vert="horz" wrap="square" lIns="91440" tIns="45720" rIns="91440" bIns="45720" numCol="1" rtlCol="0" anchor="t" anchorCtr="0" compatLnSpc="1">
+            <a:prstTxWarp prst="textNoShape">
+              <a:avLst/>
+            </a:prstTxWarp>
+          </a:bodyPr>
+          <a:lstStyle/>
+          <a:p>
+            <a:pPr marR="0" algn="l" defTabSz="914400" rtl="0" eaLnBrk="1" fontAlgn="base" latinLnBrk="0" hangingPunct="1">
+              <a:lnSpc>
+                <a:spcPct val="100000"/>
+              </a:lnSpc>
+              <a:spcBef>
+                <a:spcPct val="20000"/>
+              </a:spcBef>
+              <a:spcAft>
+                <a:spcPct val="0"/>
+              </a:spcAft>
+              <a:buClrTx/>
+              <a:buSzTx/>
+              <a:buNone/>
+              <a:tabLst/>
+            </a:pPr>
+            <a:r>
+              <a:rPr kumimoji="0" lang="cs-CZ" sz="2400" b="1" i="0" u="none" strike="noStrike" cap="none" normalizeH="0" baseline="0" dirty="0" smtClean="0">
+                <a:ln>
+                  <a:noFill/>
+                </a:ln>
+                <a:solidFill>
+                  <a:srgbClr val="B9000C"/>
+                </a:solidFill>
+                <a:effectLst/>
+                <a:latin typeface="Tahoma" pitchFamily="34" charset="0"/>
+              </a:rPr>
+              <a:t>  </a:t>
+            </a:r>
+            <a:r>
+              <a:rPr kumimoji="0" lang="cs-CZ" sz="2400" b="1" i="0" u="none" strike="noStrike" cap="none" normalizeH="0" baseline="0" dirty="0" err="1" smtClean="0">
+                <a:ln>
+                  <a:noFill/>
+                </a:ln>
+                <a:solidFill>
+                  <a:schemeClr val="bg1"/>
+                </a:solidFill>
+                <a:effectLst/>
+                <a:latin typeface="Tahoma" pitchFamily="34" charset="0"/>
+              </a:rPr>
+              <a:t>Parser</a:t>
+            </a:r>
+            <a:endParaRPr kumimoji="0" lang="cs-CZ" sz="2400" b="1" i="0" u="none" strike="noStrike" cap="none" normalizeH="0" baseline="0" dirty="0" smtClean="0">
+              <a:ln>
+                <a:noFill/>
+              </a:ln>
+              <a:solidFill>
+                <a:schemeClr val="bg1"/>
+              </a:solidFill>
+              <a:effectLst/>
+              <a:latin typeface="Tahoma" pitchFamily="34" charset="0"/>
+            </a:endParaRPr>
+          </a:p>
+        </p:txBody>
+      </p:sp>
+      <p:cxnSp>
+        <p:nvCxnSpPr>
+          <p:cNvPr id="14" name="Přímá spojnice se šipkou 13"/>
+          <p:cNvCxnSpPr/>
+          <p:nvPr/>
+        </p:nvCxnSpPr>
+        <p:spPr bwMode="auto">
+          <a:xfrm flipV="1">
+            <a:off x="9124985" y="1700808"/>
+            <a:ext cx="20503" cy="144016"/>
+          </a:xfrm>
+          <a:prstGeom prst="straightConnector1">
+            <a:avLst/>
+          </a:prstGeom>
+          <a:noFill/>
+          <a:ln w="9525" cap="flat" cmpd="sng" algn="ctr">
+            <a:noFill/>
+            <a:prstDash val="solid"/>
+            <a:round/>
+            <a:headEnd type="none" w="med" len="med"/>
+            <a:tailEnd type="triangle"/>
+          </a:ln>
+          <a:effectLst/>
+        </p:spPr>
+      </p:cxnSp>
+      <p:cxnSp>
+        <p:nvCxnSpPr>
+          <p:cNvPr id="17" name="Přímá spojnice se šipkou 16"/>
+          <p:cNvCxnSpPr/>
+          <p:nvPr/>
+        </p:nvCxnSpPr>
+        <p:spPr bwMode="auto">
+          <a:xfrm>
+            <a:off x="9192344" y="2492896"/>
+            <a:ext cx="0" cy="1044116"/>
+          </a:xfrm>
+          <a:prstGeom prst="straightConnector1">
+            <a:avLst/>
+          </a:prstGeom>
+          <a:ln w="28575">
+            <a:headEnd type="none" w="med" len="med"/>
+            <a:tailEnd type="triangle"/>
+          </a:ln>
+        </p:spPr>
+        <p:style>
+          <a:lnRef idx="1">
+            <a:schemeClr val="dk1"/>
+          </a:lnRef>
+          <a:fillRef idx="0">
+            <a:schemeClr val="dk1"/>
+          </a:fillRef>
+          <a:effectRef idx="0">
+            <a:schemeClr val="dk1"/>
+          </a:effectRef>
+          <a:fontRef idx="minor">
+            <a:schemeClr val="tx1"/>
+          </a:fontRef>
+        </p:style>
+      </p:cxnSp>
+      <p:cxnSp>
+        <p:nvCxnSpPr>
+          <p:cNvPr id="21" name="Přímá spojnice se šipkou 20"/>
+          <p:cNvCxnSpPr/>
+          <p:nvPr/>
+        </p:nvCxnSpPr>
+        <p:spPr bwMode="auto">
+          <a:xfrm>
+            <a:off x="9220397" y="4268053"/>
+            <a:ext cx="0" cy="1044116"/>
+          </a:xfrm>
+          <a:prstGeom prst="straightConnector1">
+            <a:avLst/>
+          </a:prstGeom>
+          <a:ln w="28575">
+            <a:headEnd type="none" w="med" len="med"/>
+            <a:tailEnd type="triangle"/>
+          </a:ln>
+        </p:spPr>
+        <p:style>
+          <a:lnRef idx="1">
+            <a:schemeClr val="dk1"/>
+          </a:lnRef>
+          <a:fillRef idx="0">
+            <a:schemeClr val="dk1"/>
+          </a:fillRef>
+          <a:effectRef idx="0">
+            <a:schemeClr val="dk1"/>
+          </a:effectRef>
+          <a:fontRef idx="minor">
+            <a:schemeClr val="tx1"/>
+          </a:fontRef>
+        </p:style>
+      </p:cxnSp>
+      <p:sp>
+        <p:nvSpPr>
+          <p:cNvPr id="22" name="TextovéPole 21"/>
+          <p:cNvSpPr txBox="1"/>
+          <p:nvPr/>
+        </p:nvSpPr>
+        <p:spPr>
+          <a:xfrm>
+            <a:off x="9267675" y="2783280"/>
+            <a:ext cx="938590" cy="461665"/>
+          </a:xfrm>
+          <a:prstGeom prst="rect">
+            <a:avLst/>
+          </a:prstGeom>
+          <a:noFill/>
+        </p:spPr>
+        <p:txBody>
+          <a:bodyPr wrap="none" rtlCol="0">
+            <a:spAutoFit/>
+          </a:bodyPr>
+          <a:lstStyle/>
+          <a:p>
+            <a:pPr>
+              <a:buNone/>
+            </a:pPr>
+            <a:r>
+              <a:rPr lang="cs-CZ" b="0" dirty="0" smtClean="0">
+                <a:solidFill>
+                  <a:schemeClr val="tx1"/>
+                </a:solidFill>
+              </a:rPr>
+              <a:t>token</a:t>
+            </a:r>
+            <a:endParaRPr lang="cs-CZ" b="0" dirty="0">
+              <a:solidFill>
+                <a:schemeClr val="tx1"/>
+              </a:solidFill>
+            </a:endParaRPr>
+          </a:p>
+        </p:txBody>
+      </p:sp>
+      <p:sp>
+        <p:nvSpPr>
+          <p:cNvPr id="23" name="TextovéPole 22"/>
+          <p:cNvSpPr txBox="1"/>
+          <p:nvPr/>
+        </p:nvSpPr>
+        <p:spPr>
+          <a:xfrm>
+            <a:off x="9339264" y="4657190"/>
+            <a:ext cx="721672" cy="461665"/>
+          </a:xfrm>
+          <a:prstGeom prst="rect">
+            <a:avLst/>
+          </a:prstGeom>
+          <a:noFill/>
+        </p:spPr>
+        <p:txBody>
+          <a:bodyPr wrap="none" rtlCol="0">
+            <a:spAutoFit/>
+          </a:bodyPr>
+          <a:lstStyle/>
+          <a:p>
+            <a:pPr>
+              <a:buNone/>
+            </a:pPr>
+            <a:r>
+              <a:rPr lang="cs-CZ" b="0" dirty="0" smtClean="0">
+                <a:solidFill>
+                  <a:schemeClr val="tx1"/>
+                </a:solidFill>
+              </a:rPr>
+              <a:t>3AC</a:t>
+            </a:r>
+            <a:endParaRPr lang="cs-CZ" b="0" dirty="0">
+              <a:solidFill>
+                <a:schemeClr val="tx1"/>
+              </a:solidFill>
+            </a:endParaRPr>
           </a:p>
         </p:txBody>
       </p:sp>
